--- a/PM/Projektreview.pptx
+++ b/PM/Projektreview.pptx
@@ -5,7 +5,7 @@
     <p:sldMasterId id="2147483840" r:id="rId1"/>
   </p:sldMasterIdLst>
   <p:notesMasterIdLst>
-    <p:notesMasterId r:id="rId13"/>
+    <p:notesMasterId r:id="rId14"/>
   </p:notesMasterIdLst>
   <p:sldIdLst>
     <p:sldId id="256" r:id="rId2"/>
@@ -13,12 +13,13 @@
     <p:sldId id="261" r:id="rId4"/>
     <p:sldId id="257" r:id="rId5"/>
     <p:sldId id="262" r:id="rId6"/>
-    <p:sldId id="264" r:id="rId7"/>
-    <p:sldId id="265" r:id="rId8"/>
-    <p:sldId id="266" r:id="rId9"/>
-    <p:sldId id="268" r:id="rId10"/>
-    <p:sldId id="269" r:id="rId11"/>
-    <p:sldId id="270" r:id="rId12"/>
+    <p:sldId id="271" r:id="rId7"/>
+    <p:sldId id="264" r:id="rId8"/>
+    <p:sldId id="265" r:id="rId9"/>
+    <p:sldId id="266" r:id="rId10"/>
+    <p:sldId id="268" r:id="rId11"/>
+    <p:sldId id="269" r:id="rId12"/>
+    <p:sldId id="270" r:id="rId13"/>
   </p:sldIdLst>
   <p:sldSz cx="12192000" cy="6858000"/>
   <p:notesSz cx="6858000" cy="9144000"/>
@@ -1106,7 +1107,7 @@
           <a:p>
             <a:fld id="{24D285E0-BD79-4B15-B677-A7D1CF806850}" type="datetimeFigureOut">
               <a:rPr lang="de-DE" smtClean="0"/>
-              <a:t>07.06.18</a:t>
+              <a:t>08.06.18</a:t>
             </a:fld>
             <a:endParaRPr lang="de-DE"/>
           </a:p>
@@ -4802,7 +4803,7 @@
           <p:cNvPr id="2" name="Titel 1">
             <a:extLst>
               <a:ext uri="{FF2B5EF4-FFF2-40B4-BE49-F238E27FC236}">
-                <a16:creationId xmlns:a16="http://schemas.microsoft.com/office/drawing/2014/main" id="{4EEC7E98-CAB0-EC42-BC68-9448F8BAC20F}"/>
+                <a16:creationId xmlns:a16="http://schemas.microsoft.com/office/drawing/2014/main" id="{A07C8BFB-11AB-3349-8A4F-F780FAFF9466}"/>
               </a:ext>
             </a:extLst>
           </p:cNvPr>
@@ -4815,76 +4816,55 @@
         </p:nvSpPr>
         <p:spPr/>
         <p:txBody>
-          <a:bodyPr/>
-          <a:lstStyle/>
-          <a:p>
-            <a:r>
-              <a:rPr lang="de-DE" dirty="0"/>
-              <a:t>Aktuelle Probleme und Risiken</a:t>
-            </a:r>
-          </a:p>
-        </p:txBody>
-      </p:sp>
-      <p:sp>
-        <p:nvSpPr>
-          <p:cNvPr id="3" name="Inhaltsplatzhalter 2">
+          <a:bodyPr>
+            <a:normAutofit/>
+          </a:bodyPr>
+          <a:lstStyle/>
+          <a:p>
+            <a:r>
+              <a:rPr lang="de-DE" sz="3200" dirty="0"/>
+              <a:t>Arbeitsaufwand in Stunden</a:t>
+            </a:r>
+          </a:p>
+        </p:txBody>
+      </p:sp>
+      <p:graphicFrame>
+        <p:nvGraphicFramePr>
+          <p:cNvPr id="6" name="Inhaltsplatzhalter 5">
             <a:extLst>
               <a:ext uri="{FF2B5EF4-FFF2-40B4-BE49-F238E27FC236}">
-                <a16:creationId xmlns:a16="http://schemas.microsoft.com/office/drawing/2014/main" id="{AE324923-F47E-794D-A964-476691CAC12A}"/>
+                <a16:creationId xmlns:a16="http://schemas.microsoft.com/office/drawing/2014/main" id="{57039FD1-AFD3-FE42-B627-30F3588365ED}"/>
               </a:ext>
             </a:extLst>
           </p:cNvPr>
-          <p:cNvSpPr>
-            <a:spLocks noGrp="1"/>
-          </p:cNvSpPr>
+          <p:cNvGraphicFramePr>
+            <a:graphicFrameLocks noGrp="1"/>
+          </p:cNvGraphicFramePr>
           <p:nvPr>
             <p:ph idx="1"/>
-          </p:nvPr>
-        </p:nvSpPr>
-        <p:spPr/>
-        <p:txBody>
-          <a:bodyPr/>
-          <a:lstStyle/>
-          <a:p>
-            <a:endParaRPr lang="de-DE"/>
-          </a:p>
-        </p:txBody>
-      </p:sp>
-      <p:sp>
-        <p:nvSpPr>
-          <p:cNvPr id="4" name="Fußzeilenplatzhalter 3">
-            <a:extLst>
-              <a:ext uri="{FF2B5EF4-FFF2-40B4-BE49-F238E27FC236}">
-                <a16:creationId xmlns:a16="http://schemas.microsoft.com/office/drawing/2014/main" id="{DA35FE8B-DDCF-814E-9792-E63667B02015}"/>
-              </a:ext>
-            </a:extLst>
-          </p:cNvPr>
-          <p:cNvSpPr>
-            <a:spLocks noGrp="1"/>
-          </p:cNvSpPr>
-          <p:nvPr>
-            <p:ph type="ftr" sz="quarter" idx="11"/>
-          </p:nvPr>
-        </p:nvSpPr>
-        <p:spPr/>
-        <p:txBody>
-          <a:bodyPr/>
-          <a:lstStyle/>
-          <a:p>
-            <a:r>
-              <a:rPr lang="en-US"/>
-              <a:t>Projektname - E-Health - SoSe 18</a:t>
-            </a:r>
-            <a:endParaRPr lang="en-US" dirty="0"/>
-          </a:p>
-        </p:txBody>
-      </p:sp>
+            <p:extLst>
+              <p:ext uri="{D42A27DB-BD31-4B8C-83A1-F6EECF244321}">
+                <p14:modId xmlns:p14="http://schemas.microsoft.com/office/powerpoint/2010/main" val="1559556002"/>
+              </p:ext>
+            </p:extLst>
+          </p:nvPr>
+        </p:nvGraphicFramePr>
+        <p:xfrm>
+          <a:off x="3868738" y="863600"/>
+          <a:ext cx="7315200" cy="5121275"/>
+        </p:xfrm>
+        <a:graphic>
+          <a:graphicData uri="http://schemas.openxmlformats.org/drawingml/2006/chart">
+            <c:chart xmlns:c="http://schemas.openxmlformats.org/drawingml/2006/chart" xmlns:r="http://schemas.openxmlformats.org/officeDocument/2006/relationships" r:id="rId2"/>
+          </a:graphicData>
+        </a:graphic>
+      </p:graphicFrame>
       <p:sp>
         <p:nvSpPr>
           <p:cNvPr id="5" name="Foliennummernplatzhalter 4">
             <a:extLst>
               <a:ext uri="{FF2B5EF4-FFF2-40B4-BE49-F238E27FC236}">
-                <a16:creationId xmlns:a16="http://schemas.microsoft.com/office/drawing/2014/main" id="{D477E732-AFD4-C049-B014-450AD3161F0C}"/>
+                <a16:creationId xmlns:a16="http://schemas.microsoft.com/office/drawing/2014/main" id="{78385EB8-70ED-0A4E-848C-94A9B6E103CB}"/>
               </a:ext>
             </a:extLst>
           </p:cNvPr>
@@ -4909,10 +4889,86 @@
           </a:p>
         </p:txBody>
       </p:sp>
+      <p:sp>
+        <p:nvSpPr>
+          <p:cNvPr id="7" name="Fußzeilenplatzhalter 4">
+            <a:extLst>
+              <a:ext uri="{FF2B5EF4-FFF2-40B4-BE49-F238E27FC236}">
+                <a16:creationId xmlns:a16="http://schemas.microsoft.com/office/drawing/2014/main" id="{CADF2DE9-AFCB-0943-B482-BA7DCE846F88}"/>
+              </a:ext>
+            </a:extLst>
+          </p:cNvPr>
+          <p:cNvSpPr>
+            <a:spLocks noGrp="1"/>
+          </p:cNvSpPr>
+          <p:nvPr>
+            <p:ph type="ftr" sz="quarter" idx="11"/>
+          </p:nvPr>
+        </p:nvSpPr>
+        <p:spPr>
+          <a:xfrm>
+            <a:off x="3869268" y="6356350"/>
+            <a:ext cx="5911517" cy="365125"/>
+          </a:xfrm>
+        </p:spPr>
+        <p:txBody>
+          <a:bodyPr/>
+          <a:lstStyle/>
+          <a:p>
+            <a:r>
+              <a:rPr lang="en-US" dirty="0"/>
+              <a:t>Gruppe M - E-Health - </a:t>
+            </a:r>
+            <a:r>
+              <a:rPr lang="en-US" dirty="0" err="1"/>
+              <a:t>SoSe</a:t>
+            </a:r>
+            <a:r>
+              <a:rPr lang="en-US" dirty="0"/>
+              <a:t> 18</a:t>
+            </a:r>
+          </a:p>
+        </p:txBody>
+      </p:sp>
+      <p:sp>
+        <p:nvSpPr>
+          <p:cNvPr id="3" name="Textfeld 2">
+            <a:extLst>
+              <a:ext uri="{FF2B5EF4-FFF2-40B4-BE49-F238E27FC236}">
+                <a16:creationId xmlns:a16="http://schemas.microsoft.com/office/drawing/2014/main" id="{168E688C-9556-D640-B11E-039D1F77FD86}"/>
+              </a:ext>
+            </a:extLst>
+          </p:cNvPr>
+          <p:cNvSpPr txBox="1"/>
+          <p:nvPr/>
+        </p:nvSpPr>
+        <p:spPr>
+          <a:xfrm>
+            <a:off x="9607826" y="5870713"/>
+            <a:ext cx="1722783" cy="369332"/>
+          </a:xfrm>
+          <a:prstGeom prst="rect">
+            <a:avLst/>
+          </a:prstGeom>
+          <a:noFill/>
+        </p:spPr>
+        <p:txBody>
+          <a:bodyPr wrap="square" rtlCol="0">
+            <a:spAutoFit/>
+          </a:bodyPr>
+          <a:lstStyle/>
+          <a:p>
+            <a:r>
+              <a:rPr lang="de-DE" dirty="0"/>
+              <a:t>Stand: 07.06.18</a:t>
+            </a:r>
+          </a:p>
+        </p:txBody>
+      </p:sp>
     </p:spTree>
     <p:extLst>
       <p:ext uri="{BB962C8B-B14F-4D97-AF65-F5344CB8AC3E}">
-        <p14:creationId xmlns:p14="http://schemas.microsoft.com/office/powerpoint/2010/main" val="1191433499"/>
+        <p14:creationId xmlns:p14="http://schemas.microsoft.com/office/powerpoint/2010/main" val="1319452483"/>
       </p:ext>
     </p:extLst>
   </p:cSld>
@@ -4944,6 +5000,148 @@
           <p:cNvPr id="2" name="Titel 1">
             <a:extLst>
               <a:ext uri="{FF2B5EF4-FFF2-40B4-BE49-F238E27FC236}">
+                <a16:creationId xmlns:a16="http://schemas.microsoft.com/office/drawing/2014/main" id="{4EEC7E98-CAB0-EC42-BC68-9448F8BAC20F}"/>
+              </a:ext>
+            </a:extLst>
+          </p:cNvPr>
+          <p:cNvSpPr>
+            <a:spLocks noGrp="1"/>
+          </p:cNvSpPr>
+          <p:nvPr>
+            <p:ph type="title"/>
+          </p:nvPr>
+        </p:nvSpPr>
+        <p:spPr/>
+        <p:txBody>
+          <a:bodyPr/>
+          <a:lstStyle/>
+          <a:p>
+            <a:r>
+              <a:rPr lang="de-DE" dirty="0"/>
+              <a:t>Aktuelle Probleme und Risiken</a:t>
+            </a:r>
+          </a:p>
+        </p:txBody>
+      </p:sp>
+      <p:sp>
+        <p:nvSpPr>
+          <p:cNvPr id="3" name="Inhaltsplatzhalter 2">
+            <a:extLst>
+              <a:ext uri="{FF2B5EF4-FFF2-40B4-BE49-F238E27FC236}">
+                <a16:creationId xmlns:a16="http://schemas.microsoft.com/office/drawing/2014/main" id="{AE324923-F47E-794D-A964-476691CAC12A}"/>
+              </a:ext>
+            </a:extLst>
+          </p:cNvPr>
+          <p:cNvSpPr>
+            <a:spLocks noGrp="1"/>
+          </p:cNvSpPr>
+          <p:nvPr>
+            <p:ph idx="1"/>
+          </p:nvPr>
+        </p:nvSpPr>
+        <p:spPr/>
+        <p:txBody>
+          <a:bodyPr/>
+          <a:lstStyle/>
+          <a:p>
+            <a:endParaRPr lang="de-DE"/>
+          </a:p>
+        </p:txBody>
+      </p:sp>
+      <p:sp>
+        <p:nvSpPr>
+          <p:cNvPr id="4" name="Fußzeilenplatzhalter 3">
+            <a:extLst>
+              <a:ext uri="{FF2B5EF4-FFF2-40B4-BE49-F238E27FC236}">
+                <a16:creationId xmlns:a16="http://schemas.microsoft.com/office/drawing/2014/main" id="{DA35FE8B-DDCF-814E-9792-E63667B02015}"/>
+              </a:ext>
+            </a:extLst>
+          </p:cNvPr>
+          <p:cNvSpPr>
+            <a:spLocks noGrp="1"/>
+          </p:cNvSpPr>
+          <p:nvPr>
+            <p:ph type="ftr" sz="quarter" idx="11"/>
+          </p:nvPr>
+        </p:nvSpPr>
+        <p:spPr/>
+        <p:txBody>
+          <a:bodyPr/>
+          <a:lstStyle/>
+          <a:p>
+            <a:r>
+              <a:rPr lang="en-US"/>
+              <a:t>Projektname - E-Health - SoSe 18</a:t>
+            </a:r>
+            <a:endParaRPr lang="en-US" dirty="0"/>
+          </a:p>
+        </p:txBody>
+      </p:sp>
+      <p:sp>
+        <p:nvSpPr>
+          <p:cNvPr id="5" name="Foliennummernplatzhalter 4">
+            <a:extLst>
+              <a:ext uri="{FF2B5EF4-FFF2-40B4-BE49-F238E27FC236}">
+                <a16:creationId xmlns:a16="http://schemas.microsoft.com/office/drawing/2014/main" id="{D477E732-AFD4-C049-B014-450AD3161F0C}"/>
+              </a:ext>
+            </a:extLst>
+          </p:cNvPr>
+          <p:cNvSpPr>
+            <a:spLocks noGrp="1"/>
+          </p:cNvSpPr>
+          <p:nvPr>
+            <p:ph type="sldNum" sz="quarter" idx="12"/>
+          </p:nvPr>
+        </p:nvSpPr>
+        <p:spPr/>
+        <p:txBody>
+          <a:bodyPr/>
+          <a:lstStyle/>
+          <a:p>
+            <a:fld id="{4FAB73BC-B049-4115-A692-8D63A059BFB8}" type="slidenum">
+              <a:rPr lang="en-US" smtClean="0"/>
+              <a:pPr/>
+              <a:t>11</a:t>
+            </a:fld>
+            <a:endParaRPr lang="en-US" dirty="0"/>
+          </a:p>
+        </p:txBody>
+      </p:sp>
+    </p:spTree>
+    <p:extLst>
+      <p:ext uri="{BB962C8B-B14F-4D97-AF65-F5344CB8AC3E}">
+        <p14:creationId xmlns:p14="http://schemas.microsoft.com/office/powerpoint/2010/main" val="1191433499"/>
+      </p:ext>
+    </p:extLst>
+  </p:cSld>
+  <p:clrMapOvr>
+    <a:masterClrMapping/>
+  </p:clrMapOvr>
+</p:sld>
+</file>
+
+<file path=ppt/slides/slide12.xml><?xml version="1.0" encoding="utf-8"?>
+<p:sld xmlns:a="http://schemas.openxmlformats.org/drawingml/2006/main" xmlns:r="http://schemas.openxmlformats.org/officeDocument/2006/relationships" xmlns:p="http://schemas.openxmlformats.org/presentationml/2006/main">
+  <p:cSld>
+    <p:spTree>
+      <p:nvGrpSpPr>
+        <p:cNvPr id="1" name=""/>
+        <p:cNvGrpSpPr/>
+        <p:nvPr/>
+      </p:nvGrpSpPr>
+      <p:grpSpPr>
+        <a:xfrm>
+          <a:off x="0" y="0"/>
+          <a:ext cx="0" cy="0"/>
+          <a:chOff x="0" y="0"/>
+          <a:chExt cx="0" cy="0"/>
+        </a:xfrm>
+      </p:grpSpPr>
+      <p:sp>
+        <p:nvSpPr>
+          <p:cNvPr id="2" name="Titel 1">
+            <a:extLst>
+              <a:ext uri="{FF2B5EF4-FFF2-40B4-BE49-F238E27FC236}">
                 <a16:creationId xmlns:a16="http://schemas.microsoft.com/office/drawing/2014/main" id="{39A776BF-DAF3-BC4F-BF8B-0D864F4A7CC6}"/>
               </a:ext>
             </a:extLst>
@@ -5050,7 +5248,7 @@
             <a:fld id="{4FAB73BC-B049-4115-A692-8D63A059BFB8}" type="slidenum">
               <a:rPr lang="en-US" smtClean="0"/>
               <a:pPr/>
-              <a:t>11</a:t>
+              <a:t>12</a:t>
             </a:fld>
             <a:endParaRPr lang="en-US" dirty="0"/>
           </a:p>
@@ -5155,6 +5353,12 @@
           <a:p>
             <a:r>
               <a:rPr lang="de-DE" dirty="0"/>
+              <a:t>Aufgaben</a:t>
+            </a:r>
+          </a:p>
+          <a:p>
+            <a:r>
+              <a:rPr lang="de-DE" dirty="0"/>
               <a:t>Die Oberfläche</a:t>
             </a:r>
           </a:p>
@@ -5176,7 +5380,7 @@
               <a:t>Next </a:t>
             </a:r>
             <a:r>
-              <a:rPr lang="de-DE"/>
+              <a:rPr lang="de-DE" dirty="0" err="1"/>
               <a:t>Steps</a:t>
             </a:r>
             <a:endParaRPr lang="de-DE" dirty="0"/>
@@ -5812,6 +6016,364 @@
           <p:cNvPr id="2" name="Titel 1">
             <a:extLst>
               <a:ext uri="{FF2B5EF4-FFF2-40B4-BE49-F238E27FC236}">
+                <a16:creationId xmlns:a16="http://schemas.microsoft.com/office/drawing/2014/main" id="{0FB51826-F507-0745-AB46-A8339945A34D}"/>
+              </a:ext>
+            </a:extLst>
+          </p:cNvPr>
+          <p:cNvSpPr>
+            <a:spLocks noGrp="1"/>
+          </p:cNvSpPr>
+          <p:nvPr>
+            <p:ph type="title"/>
+          </p:nvPr>
+        </p:nvSpPr>
+        <p:spPr/>
+        <p:txBody>
+          <a:bodyPr/>
+          <a:lstStyle/>
+          <a:p>
+            <a:r>
+              <a:rPr lang="de-DE" dirty="0"/>
+              <a:t>Aufgaben</a:t>
+            </a:r>
+          </a:p>
+        </p:txBody>
+      </p:sp>
+      <p:graphicFrame>
+        <p:nvGraphicFramePr>
+          <p:cNvPr id="7" name="Inhaltsplatzhalter 6">
+            <a:extLst>
+              <a:ext uri="{FF2B5EF4-FFF2-40B4-BE49-F238E27FC236}">
+                <a16:creationId xmlns:a16="http://schemas.microsoft.com/office/drawing/2014/main" id="{7ED0F74F-B119-6F4D-985B-8EB8388AE8AD}"/>
+              </a:ext>
+            </a:extLst>
+          </p:cNvPr>
+          <p:cNvGraphicFramePr>
+            <a:graphicFrameLocks noGrp="1"/>
+          </p:cNvGraphicFramePr>
+          <p:nvPr>
+            <p:ph idx="1"/>
+            <p:extLst>
+              <p:ext uri="{D42A27DB-BD31-4B8C-83A1-F6EECF244321}">
+                <p14:modId xmlns:p14="http://schemas.microsoft.com/office/powerpoint/2010/main" val="1558143642"/>
+              </p:ext>
+            </p:extLst>
+          </p:nvPr>
+        </p:nvGraphicFramePr>
+        <p:xfrm>
+          <a:off x="3869268" y="2195789"/>
+          <a:ext cx="7315200" cy="1849120"/>
+        </p:xfrm>
+        <a:graphic>
+          <a:graphicData uri="http://schemas.openxmlformats.org/drawingml/2006/table">
+            <a:tbl>
+              <a:tblPr firstRow="1" bandRow="1">
+                <a:tableStyleId>{5C22544A-7EE6-4342-B048-85BDC9FD1C3A}</a:tableStyleId>
+              </a:tblPr>
+              <a:tblGrid>
+                <a:gridCol w="3657600">
+                  <a:extLst>
+                    <a:ext uri="{9D8B030D-6E8A-4147-A177-3AD203B41FA5}">
+                      <a16:colId xmlns:a16="http://schemas.microsoft.com/office/drawing/2014/main" val="2502411409"/>
+                    </a:ext>
+                  </a:extLst>
+                </a:gridCol>
+                <a:gridCol w="3657600">
+                  <a:extLst>
+                    <a:ext uri="{9D8B030D-6E8A-4147-A177-3AD203B41FA5}">
+                      <a16:colId xmlns:a16="http://schemas.microsoft.com/office/drawing/2014/main" val="2883365959"/>
+                    </a:ext>
+                  </a:extLst>
+                </a:gridCol>
+              </a:tblGrid>
+              <a:tr h="0">
+                <a:tc>
+                  <a:txBody>
+                    <a:bodyPr/>
+                    <a:lstStyle/>
+                    <a:p>
+                      <a:r>
+                        <a:rPr lang="de-DE" dirty="0"/>
+                        <a:t>Aufgabe</a:t>
+                      </a:r>
+                    </a:p>
+                  </a:txBody>
+                  <a:tcPr/>
+                </a:tc>
+                <a:tc>
+                  <a:txBody>
+                    <a:bodyPr/>
+                    <a:lstStyle/>
+                    <a:p>
+                      <a:r>
+                        <a:rPr lang="de-DE" dirty="0"/>
+                        <a:t>Aktueller Stand</a:t>
+                      </a:r>
+                    </a:p>
+                  </a:txBody>
+                  <a:tcPr/>
+                </a:tc>
+                <a:extLst>
+                  <a:ext uri="{0D108BD9-81ED-4DB2-BD59-A6C34878D82A}">
+                    <a16:rowId xmlns:a16="http://schemas.microsoft.com/office/drawing/2014/main" val="326381714"/>
+                  </a:ext>
+                </a:extLst>
+              </a:tr>
+              <a:tr h="370840">
+                <a:tc>
+                  <a:txBody>
+                    <a:bodyPr/>
+                    <a:lstStyle/>
+                    <a:p>
+                      <a:r>
+                        <a:rPr lang="de-DE" dirty="0"/>
+                        <a:t>Backend Implementierung</a:t>
+                      </a:r>
+                    </a:p>
+                  </a:txBody>
+                  <a:tcPr/>
+                </a:tc>
+                <a:tc>
+                  <a:txBody>
+                    <a:bodyPr/>
+                    <a:lstStyle/>
+                    <a:p>
+                      <a:r>
+                        <a:rPr lang="de-DE" dirty="0"/>
+                        <a:t>100 %</a:t>
+                      </a:r>
+                    </a:p>
+                  </a:txBody>
+                  <a:tcPr/>
+                </a:tc>
+                <a:extLst>
+                  <a:ext uri="{0D108BD9-81ED-4DB2-BD59-A6C34878D82A}">
+                    <a16:rowId xmlns:a16="http://schemas.microsoft.com/office/drawing/2014/main" val="2146274887"/>
+                  </a:ext>
+                </a:extLst>
+              </a:tr>
+              <a:tr h="370840">
+                <a:tc>
+                  <a:txBody>
+                    <a:bodyPr/>
+                    <a:lstStyle/>
+                    <a:p>
+                      <a:r>
+                        <a:rPr lang="de-DE" dirty="0"/>
+                        <a:t>Oberflächen Implementierung</a:t>
+                      </a:r>
+                    </a:p>
+                  </a:txBody>
+                  <a:tcPr/>
+                </a:tc>
+                <a:tc>
+                  <a:txBody>
+                    <a:bodyPr/>
+                    <a:lstStyle/>
+                    <a:p>
+                      <a:r>
+                        <a:rPr lang="de-DE" dirty="0"/>
+                        <a:t>100 %</a:t>
+                      </a:r>
+                    </a:p>
+                  </a:txBody>
+                  <a:tcPr/>
+                </a:tc>
+                <a:extLst>
+                  <a:ext uri="{0D108BD9-81ED-4DB2-BD59-A6C34878D82A}">
+                    <a16:rowId xmlns:a16="http://schemas.microsoft.com/office/drawing/2014/main" val="2101023118"/>
+                  </a:ext>
+                </a:extLst>
+              </a:tr>
+              <a:tr h="370840">
+                <a:tc>
+                  <a:txBody>
+                    <a:bodyPr/>
+                    <a:lstStyle/>
+                    <a:p>
+                      <a:r>
+                        <a:rPr lang="de-DE" dirty="0"/>
+                        <a:t>Schnittstellen </a:t>
+                      </a:r>
+                    </a:p>
+                  </a:txBody>
+                  <a:tcPr/>
+                </a:tc>
+                <a:tc>
+                  <a:txBody>
+                    <a:bodyPr/>
+                    <a:lstStyle/>
+                    <a:p>
+                      <a:r>
+                        <a:rPr lang="de-DE" dirty="0"/>
+                        <a:t>60 %</a:t>
+                      </a:r>
+                    </a:p>
+                  </a:txBody>
+                  <a:tcPr/>
+                </a:tc>
+                <a:extLst>
+                  <a:ext uri="{0D108BD9-81ED-4DB2-BD59-A6C34878D82A}">
+                    <a16:rowId xmlns:a16="http://schemas.microsoft.com/office/drawing/2014/main" val="3399993569"/>
+                  </a:ext>
+                </a:extLst>
+              </a:tr>
+              <a:tr h="370840">
+                <a:tc>
+                  <a:txBody>
+                    <a:bodyPr/>
+                    <a:lstStyle/>
+                    <a:p>
+                      <a:r>
+                        <a:rPr lang="de-DE" dirty="0"/>
+                        <a:t>Tests</a:t>
+                      </a:r>
+                    </a:p>
+                  </a:txBody>
+                  <a:tcPr/>
+                </a:tc>
+                <a:tc>
+                  <a:txBody>
+                    <a:bodyPr/>
+                    <a:lstStyle/>
+                    <a:p>
+                      <a:r>
+                        <a:rPr lang="de-DE" dirty="0"/>
+                        <a:t>0 %</a:t>
+                      </a:r>
+                    </a:p>
+                  </a:txBody>
+                  <a:tcPr/>
+                </a:tc>
+                <a:extLst>
+                  <a:ext uri="{0D108BD9-81ED-4DB2-BD59-A6C34878D82A}">
+                    <a16:rowId xmlns:a16="http://schemas.microsoft.com/office/drawing/2014/main" val="3337308411"/>
+                  </a:ext>
+                </a:extLst>
+              </a:tr>
+            </a:tbl>
+          </a:graphicData>
+        </a:graphic>
+      </p:graphicFrame>
+      <p:sp>
+        <p:nvSpPr>
+          <p:cNvPr id="4" name="Textplatzhalter 3">
+            <a:extLst>
+              <a:ext uri="{FF2B5EF4-FFF2-40B4-BE49-F238E27FC236}">
+                <a16:creationId xmlns:a16="http://schemas.microsoft.com/office/drawing/2014/main" id="{E2F00F55-68B7-A84E-ACBA-49464E3BA4B6}"/>
+              </a:ext>
+            </a:extLst>
+          </p:cNvPr>
+          <p:cNvSpPr>
+            <a:spLocks noGrp="1"/>
+          </p:cNvSpPr>
+          <p:nvPr>
+            <p:ph type="body" sz="half" idx="2"/>
+          </p:nvPr>
+        </p:nvSpPr>
+        <p:spPr/>
+        <p:txBody>
+          <a:bodyPr/>
+          <a:lstStyle/>
+          <a:p>
+            <a:endParaRPr lang="de-DE"/>
+          </a:p>
+        </p:txBody>
+      </p:sp>
+      <p:sp>
+        <p:nvSpPr>
+          <p:cNvPr id="5" name="Fußzeilenplatzhalter 4">
+            <a:extLst>
+              <a:ext uri="{FF2B5EF4-FFF2-40B4-BE49-F238E27FC236}">
+                <a16:creationId xmlns:a16="http://schemas.microsoft.com/office/drawing/2014/main" id="{18087106-8E1A-404E-A573-254F3D593D46}"/>
+              </a:ext>
+            </a:extLst>
+          </p:cNvPr>
+          <p:cNvSpPr>
+            <a:spLocks noGrp="1"/>
+          </p:cNvSpPr>
+          <p:nvPr>
+            <p:ph type="ftr" sz="quarter" idx="11"/>
+          </p:nvPr>
+        </p:nvSpPr>
+        <p:spPr/>
+        <p:txBody>
+          <a:bodyPr/>
+          <a:lstStyle/>
+          <a:p>
+            <a:r>
+              <a:rPr lang="en-US"/>
+              <a:t>Projektname - E-Health - SoSe 18</a:t>
+            </a:r>
+            <a:endParaRPr lang="en-US" dirty="0"/>
+          </a:p>
+        </p:txBody>
+      </p:sp>
+      <p:sp>
+        <p:nvSpPr>
+          <p:cNvPr id="6" name="Foliennummernplatzhalter 5">
+            <a:extLst>
+              <a:ext uri="{FF2B5EF4-FFF2-40B4-BE49-F238E27FC236}">
+                <a16:creationId xmlns:a16="http://schemas.microsoft.com/office/drawing/2014/main" id="{B6D24163-C8D7-E34C-BAB2-70434BD9A831}"/>
+              </a:ext>
+            </a:extLst>
+          </p:cNvPr>
+          <p:cNvSpPr>
+            <a:spLocks noGrp="1"/>
+          </p:cNvSpPr>
+          <p:nvPr>
+            <p:ph type="sldNum" sz="quarter" idx="12"/>
+          </p:nvPr>
+        </p:nvSpPr>
+        <p:spPr/>
+        <p:txBody>
+          <a:bodyPr/>
+          <a:lstStyle/>
+          <a:p>
+            <a:fld id="{4FAB73BC-B049-4115-A692-8D63A059BFB8}" type="slidenum">
+              <a:rPr lang="en-US" smtClean="0"/>
+              <a:pPr/>
+              <a:t>6</a:t>
+            </a:fld>
+            <a:endParaRPr lang="en-US" dirty="0"/>
+          </a:p>
+        </p:txBody>
+      </p:sp>
+    </p:spTree>
+    <p:extLst>
+      <p:ext uri="{BB962C8B-B14F-4D97-AF65-F5344CB8AC3E}">
+        <p14:creationId xmlns:p14="http://schemas.microsoft.com/office/powerpoint/2010/main" val="3605988895"/>
+      </p:ext>
+    </p:extLst>
+  </p:cSld>
+  <p:clrMapOvr>
+    <a:masterClrMapping/>
+  </p:clrMapOvr>
+</p:sld>
+</file>
+
+<file path=ppt/slides/slide7.xml><?xml version="1.0" encoding="utf-8"?>
+<p:sld xmlns:a="http://schemas.openxmlformats.org/drawingml/2006/main" xmlns:r="http://schemas.openxmlformats.org/officeDocument/2006/relationships" xmlns:p="http://schemas.openxmlformats.org/presentationml/2006/main">
+  <p:cSld>
+    <p:spTree>
+      <p:nvGrpSpPr>
+        <p:cNvPr id="1" name=""/>
+        <p:cNvGrpSpPr/>
+        <p:nvPr/>
+      </p:nvGrpSpPr>
+      <p:grpSpPr>
+        <a:xfrm>
+          <a:off x="0" y="0"/>
+          <a:ext cx="0" cy="0"/>
+          <a:chOff x="0" y="0"/>
+          <a:chExt cx="0" cy="0"/>
+        </a:xfrm>
+      </p:grpSpPr>
+      <p:sp>
+        <p:nvSpPr>
+          <p:cNvPr id="2" name="Titel 1">
+            <a:extLst>
+              <a:ext uri="{FF2B5EF4-FFF2-40B4-BE49-F238E27FC236}">
                 <a16:creationId xmlns:a16="http://schemas.microsoft.com/office/drawing/2014/main" id="{C799A3F8-CCB6-FB4C-97CB-7830AB4D90CF}"/>
               </a:ext>
             </a:extLst>
@@ -5863,7 +6425,7 @@
             <a:fld id="{4FAB73BC-B049-4115-A692-8D63A059BFB8}" type="slidenum">
               <a:rPr lang="en-US" smtClean="0"/>
               <a:pPr/>
-              <a:t>6</a:t>
+              <a:t>7</a:t>
             </a:fld>
             <a:endParaRPr lang="en-US" dirty="0"/>
           </a:p>
@@ -6002,7 +6564,7 @@
 </p:sld>
 </file>
 
-<file path=ppt/slides/slide7.xml><?xml version="1.0" encoding="utf-8"?>
+<file path=ppt/slides/slide8.xml><?xml version="1.0" encoding="utf-8"?>
 <p:sld xmlns:a="http://schemas.openxmlformats.org/drawingml/2006/main" xmlns:r="http://schemas.openxmlformats.org/officeDocument/2006/relationships" xmlns:p="http://schemas.openxmlformats.org/presentationml/2006/main">
   <p:cSld>
     <p:spTree>
@@ -6075,7 +6637,7 @@
             <a:fld id="{4FAB73BC-B049-4115-A692-8D63A059BFB8}" type="slidenum">
               <a:rPr lang="en-US" smtClean="0"/>
               <a:pPr/>
-              <a:t>7</a:t>
+              <a:t>8</a:t>
             </a:fld>
             <a:endParaRPr lang="en-US" dirty="0"/>
           </a:p>
@@ -6214,7 +6776,7 @@
 </p:sld>
 </file>
 
-<file path=ppt/slides/slide8.xml><?xml version="1.0" encoding="utf-8"?>
+<file path=ppt/slides/slide9.xml><?xml version="1.0" encoding="utf-8"?>
 <p:sld xmlns:a="http://schemas.openxmlformats.org/drawingml/2006/main" xmlns:r="http://schemas.openxmlformats.org/officeDocument/2006/relationships" xmlns:p="http://schemas.openxmlformats.org/presentationml/2006/main">
   <p:cSld>
     <p:spTree>
@@ -6287,7 +6849,7 @@
             <a:fld id="{4FAB73BC-B049-4115-A692-8D63A059BFB8}" type="slidenum">
               <a:rPr lang="en-US" smtClean="0"/>
               <a:pPr/>
-              <a:t>8</a:t>
+              <a:t>9</a:t>
             </a:fld>
             <a:endParaRPr lang="en-US" dirty="0"/>
           </a:p>
@@ -6417,168 +6979,6 @@
     <p:extLst>
       <p:ext uri="{BB962C8B-B14F-4D97-AF65-F5344CB8AC3E}">
         <p14:creationId xmlns:p14="http://schemas.microsoft.com/office/powerpoint/2010/main" val="1418597503"/>
-      </p:ext>
-    </p:extLst>
-  </p:cSld>
-  <p:clrMapOvr>
-    <a:masterClrMapping/>
-  </p:clrMapOvr>
-</p:sld>
-</file>
-
-<file path=ppt/slides/slide9.xml><?xml version="1.0" encoding="utf-8"?>
-<p:sld xmlns:a="http://schemas.openxmlformats.org/drawingml/2006/main" xmlns:r="http://schemas.openxmlformats.org/officeDocument/2006/relationships" xmlns:p="http://schemas.openxmlformats.org/presentationml/2006/main">
-  <p:cSld>
-    <p:spTree>
-      <p:nvGrpSpPr>
-        <p:cNvPr id="1" name=""/>
-        <p:cNvGrpSpPr/>
-        <p:nvPr/>
-      </p:nvGrpSpPr>
-      <p:grpSpPr>
-        <a:xfrm>
-          <a:off x="0" y="0"/>
-          <a:ext cx="0" cy="0"/>
-          <a:chOff x="0" y="0"/>
-          <a:chExt cx="0" cy="0"/>
-        </a:xfrm>
-      </p:grpSpPr>
-      <p:sp>
-        <p:nvSpPr>
-          <p:cNvPr id="2" name="Titel 1">
-            <a:extLst>
-              <a:ext uri="{FF2B5EF4-FFF2-40B4-BE49-F238E27FC236}">
-                <a16:creationId xmlns:a16="http://schemas.microsoft.com/office/drawing/2014/main" id="{A07C8BFB-11AB-3349-8A4F-F780FAFF9466}"/>
-              </a:ext>
-            </a:extLst>
-          </p:cNvPr>
-          <p:cNvSpPr>
-            <a:spLocks noGrp="1"/>
-          </p:cNvSpPr>
-          <p:nvPr>
-            <p:ph type="title"/>
-          </p:nvPr>
-        </p:nvSpPr>
-        <p:spPr/>
-        <p:txBody>
-          <a:bodyPr>
-            <a:normAutofit/>
-          </a:bodyPr>
-          <a:lstStyle/>
-          <a:p>
-            <a:r>
-              <a:rPr lang="de-DE" sz="3200" dirty="0"/>
-              <a:t>Arbeitsaufwand in Stunden</a:t>
-            </a:r>
-          </a:p>
-        </p:txBody>
-      </p:sp>
-      <p:graphicFrame>
-        <p:nvGraphicFramePr>
-          <p:cNvPr id="6" name="Inhaltsplatzhalter 5">
-            <a:extLst>
-              <a:ext uri="{FF2B5EF4-FFF2-40B4-BE49-F238E27FC236}">
-                <a16:creationId xmlns:a16="http://schemas.microsoft.com/office/drawing/2014/main" id="{57039FD1-AFD3-FE42-B627-30F3588365ED}"/>
-              </a:ext>
-            </a:extLst>
-          </p:cNvPr>
-          <p:cNvGraphicFramePr>
-            <a:graphicFrameLocks noGrp="1"/>
-          </p:cNvGraphicFramePr>
-          <p:nvPr>
-            <p:ph idx="1"/>
-            <p:extLst>
-              <p:ext uri="{D42A27DB-BD31-4B8C-83A1-F6EECF244321}">
-                <p14:modId xmlns:p14="http://schemas.microsoft.com/office/powerpoint/2010/main" val="1559556002"/>
-              </p:ext>
-            </p:extLst>
-          </p:nvPr>
-        </p:nvGraphicFramePr>
-        <p:xfrm>
-          <a:off x="3868738" y="863600"/>
-          <a:ext cx="7315200" cy="5121275"/>
-        </p:xfrm>
-        <a:graphic>
-          <a:graphicData uri="http://schemas.openxmlformats.org/drawingml/2006/chart">
-            <c:chart xmlns:c="http://schemas.openxmlformats.org/drawingml/2006/chart" xmlns:r="http://schemas.openxmlformats.org/officeDocument/2006/relationships" r:id="rId2"/>
-          </a:graphicData>
-        </a:graphic>
-      </p:graphicFrame>
-      <p:sp>
-        <p:nvSpPr>
-          <p:cNvPr id="5" name="Foliennummernplatzhalter 4">
-            <a:extLst>
-              <a:ext uri="{FF2B5EF4-FFF2-40B4-BE49-F238E27FC236}">
-                <a16:creationId xmlns:a16="http://schemas.microsoft.com/office/drawing/2014/main" id="{78385EB8-70ED-0A4E-848C-94A9B6E103CB}"/>
-              </a:ext>
-            </a:extLst>
-          </p:cNvPr>
-          <p:cNvSpPr>
-            <a:spLocks noGrp="1"/>
-          </p:cNvSpPr>
-          <p:nvPr>
-            <p:ph type="sldNum" sz="quarter" idx="12"/>
-          </p:nvPr>
-        </p:nvSpPr>
-        <p:spPr/>
-        <p:txBody>
-          <a:bodyPr/>
-          <a:lstStyle/>
-          <a:p>
-            <a:fld id="{4FAB73BC-B049-4115-A692-8D63A059BFB8}" type="slidenum">
-              <a:rPr lang="en-US" smtClean="0"/>
-              <a:pPr/>
-              <a:t>9</a:t>
-            </a:fld>
-            <a:endParaRPr lang="en-US" dirty="0"/>
-          </a:p>
-        </p:txBody>
-      </p:sp>
-      <p:sp>
-        <p:nvSpPr>
-          <p:cNvPr id="7" name="Fußzeilenplatzhalter 4">
-            <a:extLst>
-              <a:ext uri="{FF2B5EF4-FFF2-40B4-BE49-F238E27FC236}">
-                <a16:creationId xmlns:a16="http://schemas.microsoft.com/office/drawing/2014/main" id="{CADF2DE9-AFCB-0943-B482-BA7DCE846F88}"/>
-              </a:ext>
-            </a:extLst>
-          </p:cNvPr>
-          <p:cNvSpPr>
-            <a:spLocks noGrp="1"/>
-          </p:cNvSpPr>
-          <p:nvPr>
-            <p:ph type="ftr" sz="quarter" idx="11"/>
-          </p:nvPr>
-        </p:nvSpPr>
-        <p:spPr>
-          <a:xfrm>
-            <a:off x="3869268" y="6356350"/>
-            <a:ext cx="5911517" cy="365125"/>
-          </a:xfrm>
-        </p:spPr>
-        <p:txBody>
-          <a:bodyPr/>
-          <a:lstStyle/>
-          <a:p>
-            <a:r>
-              <a:rPr lang="en-US" dirty="0"/>
-              <a:t>Gruppe M - E-Health - </a:t>
-            </a:r>
-            <a:r>
-              <a:rPr lang="en-US" dirty="0" err="1"/>
-              <a:t>SoSe</a:t>
-            </a:r>
-            <a:r>
-              <a:rPr lang="en-US" dirty="0"/>
-              <a:t> 18</a:t>
-            </a:r>
-          </a:p>
-        </p:txBody>
-      </p:sp>
-    </p:spTree>
-    <p:extLst>
-      <p:ext uri="{BB962C8B-B14F-4D97-AF65-F5344CB8AC3E}">
-        <p14:creationId xmlns:p14="http://schemas.microsoft.com/office/powerpoint/2010/main" val="1319452483"/>
       </p:ext>
     </p:extLst>
   </p:cSld>
